--- a/test/ppt_test/presentation.pptx
+++ b/test/ppt_test/presentation.pptx
@@ -3086,7 +3086,7 @@
     <p:bg>
       <p:bgPr>
         <a:solidFill>
-          <a:srgbClr val="F8F9FA"/>
+          <a:srgbClr val="FFFFFF"/>
         </a:solidFill>
         <a:effectLst/>
       </p:bgPr>
@@ -3100,100 +3100,14 @@
       <p:grpSpPr/>
       <p:sp>
         <p:nvSpPr>
-          <p:cNvPr id="2" name="Rectangle 1"/>
-          <p:cNvSpPr/>
+          <p:cNvPr id="2" name="TextBox 1"/>
+          <p:cNvSpPr txBox="1"/>
           <p:nvPr/>
         </p:nvSpPr>
         <p:spPr>
           <a:xfrm>
-            <a:off x="0" y="0"/>
-            <a:ext cx="12188952" cy="61264"/>
-          </a:xfrm>
-          <a:prstGeom prst="rect">
-            <a:avLst/>
-          </a:prstGeom>
-          <a:solidFill>
-            <a:srgbClr val="667EEA"/>
-          </a:solidFill>
-          <a:ln>
-            <a:noFill/>
-          </a:ln>
-        </p:spPr>
-        <p:style>
-          <a:lnRef idx="1">
-            <a:schemeClr val="accent1"/>
-          </a:lnRef>
-          <a:fillRef idx="3">
-            <a:schemeClr val="accent1"/>
-          </a:fillRef>
-          <a:effectRef idx="2">
-            <a:schemeClr val="accent1"/>
-          </a:effectRef>
-          <a:fontRef idx="minor">
-            <a:schemeClr val="lt1"/>
-          </a:fontRef>
-        </p:style>
-        <p:txBody>
-          <a:bodyPr rtlCol="0" anchor="ctr"/>
-          <a:lstStyle/>
-          <a:p>
-            <a:pPr algn="ctr"/>
-          </a:p>
-        </p:txBody>
-      </p:sp>
-      <p:sp>
-        <p:nvSpPr>
-          <p:cNvPr id="3" name="Oval 2"/>
-          <p:cNvSpPr/>
-          <p:nvPr/>
-        </p:nvSpPr>
-        <p:spPr>
-          <a:xfrm>
-            <a:off x="11091672" y="5760720"/>
-            <a:ext cx="457200" cy="457200"/>
-          </a:xfrm>
-          <a:prstGeom prst="ellipse">
-            <a:avLst/>
-          </a:prstGeom>
-          <a:solidFill>
-            <a:srgbClr val="667EEA"/>
-          </a:solidFill>
-          <a:ln>
-            <a:noFill/>
-          </a:ln>
-        </p:spPr>
-        <p:style>
-          <a:lnRef idx="1">
-            <a:schemeClr val="accent1"/>
-          </a:lnRef>
-          <a:fillRef idx="3">
-            <a:schemeClr val="accent1"/>
-          </a:fillRef>
-          <a:effectRef idx="2">
-            <a:schemeClr val="accent1"/>
-          </a:effectRef>
-          <a:fontRef idx="minor">
-            <a:schemeClr val="lt1"/>
-          </a:fontRef>
-        </p:style>
-        <p:txBody>
-          <a:bodyPr rtlCol="0" anchor="ctr"/>
-          <a:lstStyle/>
-          <a:p>
-            <a:pPr algn="ctr"/>
-          </a:p>
-        </p:txBody>
-      </p:sp>
-      <p:sp>
-        <p:nvSpPr>
-          <p:cNvPr id="4" name="TextBox 3"/>
-          <p:cNvSpPr txBox="1"/>
-          <p:nvPr/>
-        </p:nvSpPr>
-        <p:spPr>
-          <a:xfrm>
-            <a:off x="1014984" y="722376"/>
-            <a:ext cx="10158984" cy="1645920"/>
+            <a:off x="761999" y="571500"/>
+            <a:ext cx="10664951" cy="1371600"/>
           </a:xfrm>
           <a:prstGeom prst="rect">
             <a:avLst/>
@@ -3225,14 +3139,14 @@
       </p:sp>
       <p:sp>
         <p:nvSpPr>
-          <p:cNvPr id="5" name="TextBox 4"/>
+          <p:cNvPr id="3" name="TextBox 2"/>
           <p:cNvSpPr txBox="1"/>
           <p:nvPr/>
         </p:nvSpPr>
         <p:spPr>
           <a:xfrm>
-            <a:off x="1014984" y="2660904"/>
-            <a:ext cx="10158984" cy="914400"/>
+            <a:off x="761999" y="2125980"/>
+            <a:ext cx="10664951" cy="914400"/>
           </a:xfrm>
           <a:prstGeom prst="rect">
             <a:avLst/>
@@ -3251,7 +3165,7 @@
               </a:lnSpc>
             </a:pPr>
             <a:r>
-              <a:rPr sz="2800">
+              <a:rPr sz="2800" b="0">
                 <a:solidFill>
                   <a:srgbClr val="7F8C8D"/>
                 </a:solidFill>
@@ -3264,14 +3178,14 @@
       </p:sp>
       <p:sp>
         <p:nvSpPr>
-          <p:cNvPr id="6" name="TextBox 5"/>
+          <p:cNvPr id="4" name="TextBox 3"/>
           <p:cNvSpPr txBox="1"/>
           <p:nvPr/>
         </p:nvSpPr>
         <p:spPr>
           <a:xfrm>
-            <a:off x="1014984" y="3867912"/>
-            <a:ext cx="10158984" cy="2606040"/>
+            <a:off x="761999" y="3223260"/>
+            <a:ext cx="10664951" cy="731520"/>
           </a:xfrm>
           <a:prstGeom prst="rect">
             <a:avLst/>
@@ -3290,9 +3204,9 @@
               </a:lnSpc>
             </a:pPr>
             <a:r>
-              <a:rPr sz="2000">
+              <a:rPr sz="2000" b="0">
                 <a:solidFill>
-                  <a:srgbClr val="2C3E50"/>
+                  <a:srgbClr val="34495E"/>
                 </a:solidFill>
                 <a:latin typeface="Microsoft YaHei"/>
               </a:rPr>
@@ -3315,7 +3229,7 @@
     <p:bg>
       <p:bgPr>
         <a:solidFill>
-          <a:srgbClr val="F8F9FA"/>
+          <a:srgbClr val="FFFFFF"/>
         </a:solidFill>
         <a:effectLst/>
       </p:bgPr>
@@ -3329,100 +3243,14 @@
       <p:grpSpPr/>
       <p:sp>
         <p:nvSpPr>
-          <p:cNvPr id="2" name="Rectangle 1"/>
-          <p:cNvSpPr/>
+          <p:cNvPr id="2" name="TextBox 1"/>
+          <p:cNvSpPr txBox="1"/>
           <p:nvPr/>
         </p:nvSpPr>
         <p:spPr>
           <a:xfrm>
-            <a:off x="0" y="0"/>
-            <a:ext cx="12188952" cy="61264"/>
-          </a:xfrm>
-          <a:prstGeom prst="rect">
-            <a:avLst/>
-          </a:prstGeom>
-          <a:solidFill>
-            <a:srgbClr val="667EEA"/>
-          </a:solidFill>
-          <a:ln>
-            <a:noFill/>
-          </a:ln>
-        </p:spPr>
-        <p:style>
-          <a:lnRef idx="1">
-            <a:schemeClr val="accent1"/>
-          </a:lnRef>
-          <a:fillRef idx="3">
-            <a:schemeClr val="accent1"/>
-          </a:fillRef>
-          <a:effectRef idx="2">
-            <a:schemeClr val="accent1"/>
-          </a:effectRef>
-          <a:fontRef idx="minor">
-            <a:schemeClr val="lt1"/>
-          </a:fontRef>
-        </p:style>
-        <p:txBody>
-          <a:bodyPr rtlCol="0" anchor="ctr"/>
-          <a:lstStyle/>
-          <a:p>
-            <a:pPr algn="ctr"/>
-          </a:p>
-        </p:txBody>
-      </p:sp>
-      <p:sp>
-        <p:nvSpPr>
-          <p:cNvPr id="3" name="Oval 2"/>
-          <p:cNvSpPr/>
-          <p:nvPr/>
-        </p:nvSpPr>
-        <p:spPr>
-          <a:xfrm>
-            <a:off x="11091672" y="5760720"/>
-            <a:ext cx="457200" cy="457200"/>
-          </a:xfrm>
-          <a:prstGeom prst="ellipse">
-            <a:avLst/>
-          </a:prstGeom>
-          <a:solidFill>
-            <a:srgbClr val="667EEA"/>
-          </a:solidFill>
-          <a:ln>
-            <a:noFill/>
-          </a:ln>
-        </p:spPr>
-        <p:style>
-          <a:lnRef idx="1">
-            <a:schemeClr val="accent1"/>
-          </a:lnRef>
-          <a:fillRef idx="3">
-            <a:schemeClr val="accent1"/>
-          </a:fillRef>
-          <a:effectRef idx="2">
-            <a:schemeClr val="accent1"/>
-          </a:effectRef>
-          <a:fontRef idx="minor">
-            <a:schemeClr val="lt1"/>
-          </a:fontRef>
-        </p:style>
-        <p:txBody>
-          <a:bodyPr rtlCol="0" anchor="ctr"/>
-          <a:lstStyle/>
-          <a:p>
-            <a:pPr algn="ctr"/>
-          </a:p>
-        </p:txBody>
-      </p:sp>
-      <p:sp>
-        <p:nvSpPr>
-          <p:cNvPr id="4" name="TextBox 3"/>
-          <p:cNvSpPr txBox="1"/>
-          <p:nvPr/>
-        </p:nvSpPr>
-        <p:spPr>
-          <a:xfrm>
-            <a:off x="1014984" y="722376"/>
-            <a:ext cx="10158984" cy="1645920"/>
+            <a:off x="761999" y="571500"/>
+            <a:ext cx="10664951" cy="1371600"/>
           </a:xfrm>
           <a:prstGeom prst="rect">
             <a:avLst/>
@@ -3454,14 +3282,14 @@
       </p:sp>
       <p:sp>
         <p:nvSpPr>
-          <p:cNvPr id="5" name="TextBox 4"/>
+          <p:cNvPr id="3" name="TextBox 2"/>
           <p:cNvSpPr txBox="1"/>
           <p:nvPr/>
         </p:nvSpPr>
         <p:spPr>
           <a:xfrm>
-            <a:off x="1014984" y="2660904"/>
-            <a:ext cx="10158984" cy="914400"/>
+            <a:off x="761999" y="2125980"/>
+            <a:ext cx="10664951" cy="914400"/>
           </a:xfrm>
           <a:prstGeom prst="rect">
             <a:avLst/>
@@ -3480,7 +3308,7 @@
               </a:lnSpc>
             </a:pPr>
             <a:r>
-              <a:rPr sz="2800">
+              <a:rPr sz="2800" b="0">
                 <a:solidFill>
                   <a:srgbClr val="7F8C8D"/>
                 </a:solidFill>
@@ -3493,14 +3321,14 @@
       </p:sp>
       <p:sp>
         <p:nvSpPr>
-          <p:cNvPr id="6" name="TextBox 5"/>
+          <p:cNvPr id="4" name="TextBox 3"/>
           <p:cNvSpPr txBox="1"/>
           <p:nvPr/>
         </p:nvSpPr>
         <p:spPr>
           <a:xfrm>
-            <a:off x="1014984" y="3867912"/>
-            <a:ext cx="10158984" cy="2606040"/>
+            <a:off x="761999" y="3223260"/>
+            <a:ext cx="10664951" cy="1920240"/>
           </a:xfrm>
           <a:prstGeom prst="rect">
             <a:avLst/>
@@ -3508,32 +3336,32 @@
           <a:noFill/>
         </p:spPr>
         <p:txBody>
-          <a:bodyPr wrap="square" anchor="t" lIns="384048" tIns="91440" bIns="91440">
+          <a:bodyPr wrap="square" anchor="t">
             <a:noAutofit/>
           </a:bodyPr>
           <a:lstStyle/>
           <a:p>
-            <a:pPr algn="ctr">
+            <a:pPr>
               <a:lnSpc>
-                <a:spcPct val="160000"/>
+                <a:spcPct val="120000"/>
               </a:lnSpc>
               <a:spcAft>
                 <a:spcPts val="800"/>
               </a:spcAft>
             </a:pPr>
             <a:r>
-              <a:rPr sz="2000">
+              <a:rPr sz="1600">
                 <a:solidFill>
-                  <a:srgbClr val="667EEA"/>
+                  <a:srgbClr val="000000"/>
                 </a:solidFill>
                 <a:latin typeface="Microsoft YaHei"/>
               </a:rPr>
               <a:t>• </a:t>
             </a:r>
             <a:r>
-              <a:rPr sz="2000">
+              <a:rPr sz="1600">
                 <a:solidFill>
-                  <a:srgbClr val="34495E"/>
+                  <a:srgbClr val="000000"/>
                 </a:solidFill>
                 <a:latin typeface="Microsoft YaHei"/>
               </a:rPr>
@@ -3541,27 +3369,27 @@
             </a:r>
           </a:p>
           <a:p>
-            <a:pPr algn="ctr">
+            <a:pPr>
               <a:lnSpc>
-                <a:spcPct val="160000"/>
+                <a:spcPct val="120000"/>
               </a:lnSpc>
               <a:spcAft>
                 <a:spcPts val="800"/>
               </a:spcAft>
             </a:pPr>
             <a:r>
-              <a:rPr sz="2000">
+              <a:rPr sz="1600">
                 <a:solidFill>
-                  <a:srgbClr val="667EEA"/>
+                  <a:srgbClr val="000000"/>
                 </a:solidFill>
                 <a:latin typeface="Microsoft YaHei"/>
               </a:rPr>
               <a:t>• </a:t>
             </a:r>
             <a:r>
-              <a:rPr sz="2000">
+              <a:rPr sz="1600">
                 <a:solidFill>
-                  <a:srgbClr val="34495E"/>
+                  <a:srgbClr val="000000"/>
                 </a:solidFill>
                 <a:latin typeface="Microsoft YaHei"/>
               </a:rPr>
@@ -3569,27 +3397,27 @@
             </a:r>
           </a:p>
           <a:p>
-            <a:pPr algn="ctr">
+            <a:pPr>
               <a:lnSpc>
-                <a:spcPct val="160000"/>
+                <a:spcPct val="120000"/>
               </a:lnSpc>
               <a:spcAft>
                 <a:spcPts val="800"/>
               </a:spcAft>
             </a:pPr>
             <a:r>
-              <a:rPr sz="2000">
+              <a:rPr sz="1600">
                 <a:solidFill>
-                  <a:srgbClr val="667EEA"/>
+                  <a:srgbClr val="000000"/>
                 </a:solidFill>
                 <a:latin typeface="Microsoft YaHei"/>
               </a:rPr>
               <a:t>• </a:t>
             </a:r>
             <a:r>
-              <a:rPr sz="2000">
+              <a:rPr sz="1600">
                 <a:solidFill>
-                  <a:srgbClr val="34495E"/>
+                  <a:srgbClr val="000000"/>
                 </a:solidFill>
                 <a:latin typeface="Microsoft YaHei"/>
               </a:rPr>
@@ -3597,27 +3425,27 @@
             </a:r>
           </a:p>
           <a:p>
-            <a:pPr algn="ctr">
+            <a:pPr>
               <a:lnSpc>
-                <a:spcPct val="160000"/>
+                <a:spcPct val="120000"/>
               </a:lnSpc>
               <a:spcAft>
                 <a:spcPts val="800"/>
               </a:spcAft>
             </a:pPr>
             <a:r>
-              <a:rPr sz="2000">
+              <a:rPr sz="1600">
                 <a:solidFill>
-                  <a:srgbClr val="667EEA"/>
+                  <a:srgbClr val="000000"/>
                 </a:solidFill>
                 <a:latin typeface="Microsoft YaHei"/>
               </a:rPr>
               <a:t>• </a:t>
             </a:r>
             <a:r>
-              <a:rPr sz="2000">
+              <a:rPr sz="1600">
                 <a:solidFill>
-                  <a:srgbClr val="34495E"/>
+                  <a:srgbClr val="000000"/>
                 </a:solidFill>
                 <a:latin typeface="Microsoft YaHei"/>
               </a:rPr>
@@ -3640,7 +3468,7 @@
     <p:bg>
       <p:bgPr>
         <a:solidFill>
-          <a:srgbClr val="F8F9FA"/>
+          <a:srgbClr val="FFFFFF"/>
         </a:solidFill>
         <a:effectLst/>
       </p:bgPr>
@@ -3654,100 +3482,14 @@
       <p:grpSpPr/>
       <p:sp>
         <p:nvSpPr>
-          <p:cNvPr id="2" name="Rectangle 1"/>
-          <p:cNvSpPr/>
+          <p:cNvPr id="2" name="TextBox 1"/>
+          <p:cNvSpPr txBox="1"/>
           <p:nvPr/>
         </p:nvSpPr>
         <p:spPr>
           <a:xfrm>
-            <a:off x="0" y="0"/>
-            <a:ext cx="12188952" cy="61264"/>
-          </a:xfrm>
-          <a:prstGeom prst="rect">
-            <a:avLst/>
-          </a:prstGeom>
-          <a:solidFill>
-            <a:srgbClr val="667EEA"/>
-          </a:solidFill>
-          <a:ln>
-            <a:noFill/>
-          </a:ln>
-        </p:spPr>
-        <p:style>
-          <a:lnRef idx="1">
-            <a:schemeClr val="accent1"/>
-          </a:lnRef>
-          <a:fillRef idx="3">
-            <a:schemeClr val="accent1"/>
-          </a:fillRef>
-          <a:effectRef idx="2">
-            <a:schemeClr val="accent1"/>
-          </a:effectRef>
-          <a:fontRef idx="minor">
-            <a:schemeClr val="lt1"/>
-          </a:fontRef>
-        </p:style>
-        <p:txBody>
-          <a:bodyPr rtlCol="0" anchor="ctr"/>
-          <a:lstStyle/>
-          <a:p>
-            <a:pPr algn="ctr"/>
-          </a:p>
-        </p:txBody>
-      </p:sp>
-      <p:sp>
-        <p:nvSpPr>
-          <p:cNvPr id="3" name="Oval 2"/>
-          <p:cNvSpPr/>
-          <p:nvPr/>
-        </p:nvSpPr>
-        <p:spPr>
-          <a:xfrm>
-            <a:off x="11091672" y="5760720"/>
-            <a:ext cx="457200" cy="457200"/>
-          </a:xfrm>
-          <a:prstGeom prst="ellipse">
-            <a:avLst/>
-          </a:prstGeom>
-          <a:solidFill>
-            <a:srgbClr val="667EEA"/>
-          </a:solidFill>
-          <a:ln>
-            <a:noFill/>
-          </a:ln>
-        </p:spPr>
-        <p:style>
-          <a:lnRef idx="1">
-            <a:schemeClr val="accent1"/>
-          </a:lnRef>
-          <a:fillRef idx="3">
-            <a:schemeClr val="accent1"/>
-          </a:fillRef>
-          <a:effectRef idx="2">
-            <a:schemeClr val="accent1"/>
-          </a:effectRef>
-          <a:fontRef idx="minor">
-            <a:schemeClr val="lt1"/>
-          </a:fontRef>
-        </p:style>
-        <p:txBody>
-          <a:bodyPr rtlCol="0" anchor="ctr"/>
-          <a:lstStyle/>
-          <a:p>
-            <a:pPr algn="ctr"/>
-          </a:p>
-        </p:txBody>
-      </p:sp>
-      <p:sp>
-        <p:nvSpPr>
-          <p:cNvPr id="4" name="TextBox 3"/>
-          <p:cNvSpPr txBox="1"/>
-          <p:nvPr/>
-        </p:nvSpPr>
-        <p:spPr>
-          <a:xfrm>
-            <a:off x="1014984" y="722376"/>
-            <a:ext cx="10158984" cy="1645920"/>
+            <a:off x="761999" y="571500"/>
+            <a:ext cx="10664951" cy="1371600"/>
           </a:xfrm>
           <a:prstGeom prst="rect">
             <a:avLst/>
@@ -3779,14 +3521,14 @@
       </p:sp>
       <p:sp>
         <p:nvSpPr>
-          <p:cNvPr id="5" name="TextBox 4"/>
+          <p:cNvPr id="3" name="TextBox 2"/>
           <p:cNvSpPr txBox="1"/>
           <p:nvPr/>
         </p:nvSpPr>
         <p:spPr>
           <a:xfrm>
-            <a:off x="1014984" y="2660904"/>
-            <a:ext cx="10158984" cy="914400"/>
+            <a:off x="761999" y="2125980"/>
+            <a:ext cx="10664951" cy="914400"/>
           </a:xfrm>
           <a:prstGeom prst="rect">
             <a:avLst/>
@@ -3805,7 +3547,7 @@
               </a:lnSpc>
             </a:pPr>
             <a:r>
-              <a:rPr sz="2800">
+              <a:rPr sz="2800" b="0">
                 <a:solidFill>
                   <a:srgbClr val="7F8C8D"/>
                 </a:solidFill>
@@ -3818,14 +3560,14 @@
       </p:sp>
       <p:sp>
         <p:nvSpPr>
-          <p:cNvPr id="6" name="TextBox 5"/>
+          <p:cNvPr id="4" name="TextBox 3"/>
           <p:cNvSpPr txBox="1"/>
           <p:nvPr/>
         </p:nvSpPr>
         <p:spPr>
           <a:xfrm>
-            <a:off x="1014984" y="3867912"/>
-            <a:ext cx="10158984" cy="2606040"/>
+            <a:off x="761999" y="3223260"/>
+            <a:ext cx="10664951" cy="731520"/>
           </a:xfrm>
           <a:prstGeom prst="rect">
             <a:avLst/>
@@ -3844,9 +3586,9 @@
               </a:lnSpc>
             </a:pPr>
             <a:r>
-              <a:rPr sz="2000">
+              <a:rPr sz="2000" b="0">
                 <a:solidFill>
-                  <a:srgbClr val="2C3E50"/>
+                  <a:srgbClr val="34495E"/>
                 </a:solidFill>
                 <a:latin typeface="Microsoft YaHei"/>
               </a:rPr>
